--- a/output/modernWorship/Never-Once.pptx
+++ b/output/modernWorship/Never-Once.pptx
@@ -13,8 +13,6 @@
     <p:sldId r:id="rId13" id="261"/>
     <p:sldId r:id="rId14" id="262"/>
     <p:sldId r:id="rId15" id="263"/>
-    <p:sldId r:id="rId16" id="264"/>
-    <p:sldId r:id="rId17" id="265"/>
   </p:sldIdLst>
   <p:sldSz cx="9144000" cy="6858000" type="screen4x3"/>
   <p:notesSz cx="6858000" cy="9144000"/>
@@ -511,83 +509,8 @@
           <a:lstStyle/>
           <a:p>
             <a:r>
-              <a:t>Capo 4 (G)</a:t>
-            </a:r>
-            <a:br/>
-            <a:r>
-              <a:t>Writers:  Jason Ingram, Matt Redman, Tim Wanstall</a:t>
-            </a:r>
-            <a:br/>
-            <a:r>
-              <a:t>CCLI: </a:t>
-            </a:r>
-          </a:p>
-        </p:txBody>
-      </p:sp>
-      <p:sp>
-        <p:nvSpPr>
-          <p:cNvPr id="4" name="Slide Number Placeholder 3"/>
-          <p:cNvSpPr>
-            <a:spLocks noGrp="1"/>
-          </p:cNvSpPr>
-          <p:nvPr>
-            <p:ph type="sldNum" idx="5" sz="quarter"/>
-          </p:nvPr>
-        </p:nvSpPr>
-        <p:spPr/>
-      </p:sp>
-    </p:spTree>
-  </p:cSld>
-  <p:clrMapOvr>
-    <a:masterClrMapping/>
-  </p:clrMapOvr>
-</p:notes>
-</file>
-
-<file path=ppt/notesSlides/notesSlide10.xml><?xml version="1.0" encoding="utf-8"?>
-<p:notes xmlns:a="http://schemas.openxmlformats.org/drawingml/2006/main" xmlns:p="http://schemas.openxmlformats.org/presentationml/2006/main" xmlns:r="http://schemas.openxmlformats.org/officeDocument/2006/relationships">
-  <p:cSld>
-    <p:spTree>
-      <p:nvGrpSpPr>
-        <p:cNvPr id="1" name=""/>
-        <p:cNvGrpSpPr/>
-        <p:nvPr/>
-      </p:nvGrpSpPr>
-      <p:grpSpPr>
-        <a:xfrm>
-          <a:off x="0" y="0"/>
-          <a:ext cx="0" cy="0"/>
-          <a:chOff x="0" y="0"/>
-          <a:chExt cx="0" cy="0"/>
-        </a:xfrm>
-      </p:grpSpPr>
-      <p:sp>
-        <p:nvSpPr>
-          <p:cNvPr id="2" name="Slide Image Placeholder 1"/>
-          <p:cNvSpPr>
-            <a:spLocks noGrp="1"/>
-          </p:cNvSpPr>
-          <p:nvPr>
-            <p:ph type="sldImg" idx="2"/>
-          </p:nvPr>
-        </p:nvSpPr>
-        <p:spPr/>
-      </p:sp>
-      <p:sp>
-        <p:nvSpPr>
-          <p:cNvPr id="3" name="Notes Placeholder 2"/>
-          <p:cNvSpPr>
-            <a:spLocks noGrp="1"/>
-          </p:cNvSpPr>
-          <p:nvPr>
-            <p:ph type="body" idx="3" sz="quarter"/>
-          </p:nvPr>
-        </p:nvSpPr>
-        <p:spPr/>
-        <p:txBody>
-          <a:bodyPr/>
-          <a:lstStyle/>
-          <a:p>
+              <a:t>Verse 1</a:t>
+            </a:r>
             <a:br/>
             <a:r>
               <a:t>Writers:  Jason Ingram, Matt Redman, Tim Wanstall</a:t>
@@ -664,7 +587,7 @@
           <a:lstStyle/>
           <a:p>
             <a:r>
-              <a:t>Verse 1</a:t>
+              <a:t>Verse 2</a:t>
             </a:r>
             <a:br/>
             <a:r>
@@ -742,7 +665,7 @@
           <a:lstStyle/>
           <a:p>
             <a:r>
-              <a:t>Verse 2</a:t>
+              <a:t>Pre-Chorus</a:t>
             </a:r>
             <a:br/>
             <a:r>
@@ -820,7 +743,7 @@
           <a:lstStyle/>
           <a:p>
             <a:r>
-              <a:t>Pre-Chorus</a:t>
+              <a:t>Chorus 1</a:t>
             </a:r>
             <a:br/>
             <a:r>
@@ -898,7 +821,7 @@
           <a:lstStyle/>
           <a:p>
             <a:r>
-              <a:t>Chorus 1</a:t>
+              <a:t>Repeat Verse 2</a:t>
             </a:r>
             <a:br/>
             <a:r>
@@ -976,7 +899,7 @@
           <a:lstStyle/>
           <a:p>
             <a:r>
-              <a:t>Repeat Verse 2</a:t>
+              <a:t>Bridge</a:t>
             </a:r>
             <a:br/>
             <a:r>
@@ -1054,7 +977,7 @@
           <a:lstStyle/>
           <a:p>
             <a:r>
-              <a:t>Bridge</a:t>
+              <a:t>Never once did we ever walk alone</a:t>
             </a:r>
             <a:br/>
             <a:r>
@@ -1131,83 +1054,8 @@
           <a:bodyPr/>
           <a:lstStyle/>
           <a:p>
-            <a:br/>
-            <a:r>
-              <a:t>Writers:  Jason Ingram, Matt Redman, Tim Wanstall</a:t>
-            </a:r>
-            <a:br/>
-            <a:r>
-              <a:t>CCLI: </a:t>
-            </a:r>
-          </a:p>
-        </p:txBody>
-      </p:sp>
-      <p:sp>
-        <p:nvSpPr>
-          <p:cNvPr id="4" name="Slide Number Placeholder 3"/>
-          <p:cNvSpPr>
-            <a:spLocks noGrp="1"/>
-          </p:cNvSpPr>
-          <p:nvPr>
-            <p:ph type="sldNum" idx="5" sz="quarter"/>
-          </p:nvPr>
-        </p:nvSpPr>
-        <p:spPr/>
-      </p:sp>
-    </p:spTree>
-  </p:cSld>
-  <p:clrMapOvr>
-    <a:masterClrMapping/>
-  </p:clrMapOvr>
-</p:notes>
-</file>
-
-<file path=ppt/notesSlides/notesSlide9.xml><?xml version="1.0" encoding="utf-8"?>
-<p:notes xmlns:a="http://schemas.openxmlformats.org/drawingml/2006/main" xmlns:p="http://schemas.openxmlformats.org/presentationml/2006/main" xmlns:r="http://schemas.openxmlformats.org/officeDocument/2006/relationships">
-  <p:cSld>
-    <p:spTree>
-      <p:nvGrpSpPr>
-        <p:cNvPr id="1" name=""/>
-        <p:cNvGrpSpPr/>
-        <p:nvPr/>
-      </p:nvGrpSpPr>
-      <p:grpSpPr>
-        <a:xfrm>
-          <a:off x="0" y="0"/>
-          <a:ext cx="0" cy="0"/>
-          <a:chOff x="0" y="0"/>
-          <a:chExt cx="0" cy="0"/>
-        </a:xfrm>
-      </p:grpSpPr>
-      <p:sp>
-        <p:nvSpPr>
-          <p:cNvPr id="2" name="Slide Image Placeholder 1"/>
-          <p:cNvSpPr>
-            <a:spLocks noGrp="1"/>
-          </p:cNvSpPr>
-          <p:nvPr>
-            <p:ph type="sldImg" idx="2"/>
-          </p:nvPr>
-        </p:nvSpPr>
-        <p:spPr/>
-      </p:sp>
-      <p:sp>
-        <p:nvSpPr>
-          <p:cNvPr id="3" name="Notes Placeholder 2"/>
-          <p:cNvSpPr>
-            <a:spLocks noGrp="1"/>
-          </p:cNvSpPr>
-          <p:nvPr>
-            <p:ph type="body" idx="3" sz="quarter"/>
-          </p:nvPr>
-        </p:nvSpPr>
-        <p:spPr/>
-        <p:txBody>
-          <a:bodyPr/>
-          <a:lstStyle/>
-          <a:p>
-            <a:r>
-              <a:t>Never once did we ever walk alone </a:t>
+            <a:r>
+              <a:t>Every step we are breathing in Your grace</a:t>
             </a:r>
             <a:br/>
             <a:r>
@@ -4247,6 +4095,22 @@
             <a:pPr>
               <a:defRPr sz="2500"/>
             </a:pPr>
+            <a:r>
+              <a:t>Standing on this mountaintop</a:t>
+            </a:r>
+            <a:br/>
+            <a:r>
+              <a:t>Looking just how far we've come</a:t>
+            </a:r>
+            <a:br/>
+            <a:r>
+              <a:t>Knowing that for every step</a:t>
+            </a:r>
+            <a:br/>
+            <a:r>
+              <a:t>You were with us</a:t>
+            </a:r>
+            <a:br/>
           </a:p>
         </p:txBody>
       </p:sp>
@@ -4277,109 +4141,9 @@
               <a:defRPr sz="1200"/>
             </a:pPr>
             <a:r>
-              <a:t>Capo 4 (G)</a:t>
-            </a:r>
-            <a:br/>
-            <a:r>
-              <a:t>Writers:  Jason Ingram, Matt Redman, Tim Wanstall</a:t>
-            </a:r>
-            <a:br/>
-            <a:r>
-              <a:t>CCLI: </a:t>
-            </a:r>
-          </a:p>
-        </p:txBody>
-      </p:sp>
-    </p:spTree>
-  </p:cSld>
-  <p:clrMapOvr>
-    <a:masterClrMapping/>
-  </p:clrMapOvr>
-</p:sld>
-</file>
-
-<file path=ppt/slides/slide10.xml><?xml version="1.0" encoding="utf-8"?>
-<p:sld xmlns:a="http://schemas.openxmlformats.org/drawingml/2006/main" xmlns:p="http://schemas.openxmlformats.org/presentationml/2006/main" xmlns:r="http://schemas.openxmlformats.org/officeDocument/2006/relationships">
-  <p:cSld>
-    <p:spTree>
-      <p:nvGrpSpPr>
-        <p:cNvPr id="1" name=""/>
-        <p:cNvGrpSpPr/>
-        <p:nvPr/>
-      </p:nvGrpSpPr>
-      <p:grpSpPr/>
-      <p:sp>
-        <p:nvSpPr>
-          <p:cNvPr id="2" name="TextBox 1"/>
-          <p:cNvSpPr txBox="1"/>
-          <p:nvPr/>
-        </p:nvSpPr>
-        <p:spPr>
-          <a:xfrm>
-            <a:off x="914400" y="914400"/>
-            <a:ext cx="7315200" cy="914400"/>
-          </a:xfrm>
-          <a:prstGeom prst="rect">
-            <a:avLst/>
-          </a:prstGeom>
-          <a:noFill/>
-        </p:spPr>
-        <p:txBody>
-          <a:bodyPr wrap="none">
-            <a:spAutoFit/>
-          </a:bodyPr>
-          <a:lstStyle/>
-          <a:p/>
-          <a:p>
-            <a:pPr>
-              <a:defRPr sz="2500"/>
-            </a:pPr>
-            <a:r>
-              <a:t>Every step we are breathing in Your grace </a:t>
-            </a:r>
-            <a:br/>
-            <a:r>
-              <a:t>Evermore we'll be breathing out Your praise </a:t>
-            </a:r>
-            <a:br/>
-            <a:r>
-              <a:t>You are faithful, God, You are faithful </a:t>
-            </a:r>
-            <a:br/>
-            <a:r>
-              <a:t>You are faithful, God, You are faithful</a:t>
-            </a:r>
-            <a:br/>
-          </a:p>
-        </p:txBody>
-      </p:sp>
-      <p:sp>
-        <p:nvSpPr>
-          <p:cNvPr id="3" name="TextBox 2"/>
-          <p:cNvSpPr txBox="1"/>
-          <p:nvPr/>
-        </p:nvSpPr>
-        <p:spPr>
-          <a:xfrm>
-            <a:off x="4572000" y="5943600"/>
-            <a:ext cx="914400" cy="914400"/>
-          </a:xfrm>
-          <a:prstGeom prst="rect">
-            <a:avLst/>
-          </a:prstGeom>
-          <a:noFill/>
-        </p:spPr>
-        <p:txBody>
-          <a:bodyPr wrap="none">
-            <a:spAutoFit/>
-          </a:bodyPr>
-          <a:lstStyle/>
-          <a:p/>
-          <a:p>
-            <a:br/>
-            <a:pPr>
-              <a:defRPr sz="1200"/>
-            </a:pPr>
+              <a:t>Verse 1</a:t>
+            </a:r>
+            <a:br/>
             <a:r>
               <a:t>Writers:  Jason Ingram, Matt Redman, Tim Wanstall</a:t>
             </a:r>
@@ -4435,19 +4199,19 @@
               <a:defRPr sz="2500"/>
             </a:pPr>
             <a:r>
-              <a:t>Standing on this mountaintop </a:t>
-            </a:r>
-            <a:br/>
-            <a:r>
-              <a:t>Looking just how far we've come</a:t>
-            </a:r>
-            <a:br/>
-            <a:r>
-              <a:t>Knowing that for every step </a:t>
-            </a:r>
-            <a:br/>
-            <a:r>
-              <a:t>You were with us </a:t>
+              <a:t>Kneeling on this battle ground</a:t>
+            </a:r>
+            <a:br/>
+            <a:r>
+              <a:t>Seeing just how much You've done</a:t>
+            </a:r>
+            <a:br/>
+            <a:r>
+              <a:t>Knowing every victory</a:t>
+            </a:r>
+            <a:br/>
+            <a:r>
+              <a:t>Is Your power in us</a:t>
             </a:r>
             <a:br/>
           </a:p>
@@ -4480,7 +4244,7 @@
               <a:defRPr sz="1200"/>
             </a:pPr>
             <a:r>
-              <a:t>Verse 1</a:t>
+              <a:t>Verse 2</a:t>
             </a:r>
             <a:br/>
             <a:r>
@@ -4538,19 +4302,15 @@
               <a:defRPr sz="2500"/>
             </a:pPr>
             <a:r>
-              <a:t>Kneeling on this battle ground </a:t>
-            </a:r>
-            <a:br/>
-            <a:r>
-              <a:t>Seeing just how much You've done </a:t>
-            </a:r>
-            <a:br/>
-            <a:r>
-              <a:t>Knowing every victory </a:t>
-            </a:r>
-            <a:br/>
-            <a:r>
-              <a:t>Is Your power in us </a:t>
+              <a:t>Scars and struggles on the way</a:t>
+            </a:r>
+            <a:br/>
+            <a:r>
+              <a:t>But with joy our hearts can say</a:t>
+            </a:r>
+            <a:br/>
+            <a:r>
+              <a:t>Yes, our hearts can say</a:t>
             </a:r>
             <a:br/>
           </a:p>
@@ -4583,7 +4343,7 @@
               <a:defRPr sz="1200"/>
             </a:pPr>
             <a:r>
-              <a:t>Verse 2</a:t>
+              <a:t>Pre-Chorus</a:t>
             </a:r>
             <a:br/>
             <a:r>
@@ -4641,15 +4401,15 @@
               <a:defRPr sz="2500"/>
             </a:pPr>
             <a:r>
-              <a:t>Scars and struggles on the way </a:t>
-            </a:r>
-            <a:br/>
-            <a:r>
-              <a:t>But with joy our hearts can say </a:t>
-            </a:r>
-            <a:br/>
-            <a:r>
-              <a:t>Yes, our hearts can say </a:t>
+              <a:t>Never once did we ever walk alone</a:t>
+            </a:r>
+            <a:br/>
+            <a:r>
+              <a:t>Never once did You leave us on our own</a:t>
+            </a:r>
+            <a:br/>
+            <a:r>
+              <a:t>You are faithful, God, You are faithful</a:t>
             </a:r>
             <a:br/>
           </a:p>
@@ -4682,7 +4442,7 @@
               <a:defRPr sz="1200"/>
             </a:pPr>
             <a:r>
-              <a:t>Pre-Chorus</a:t>
+              <a:t>Chorus 1</a:t>
             </a:r>
             <a:br/>
             <a:r>
@@ -4740,15 +4500,11 @@
               <a:defRPr sz="2500"/>
             </a:pPr>
             <a:r>
-              <a:t>Never once did we ever walk alone </a:t>
-            </a:r>
-            <a:br/>
-            <a:r>
-              <a:t>Never once did You leave us on our own</a:t>
-            </a:r>
-            <a:br/>
-            <a:r>
-              <a:t>You are faithful, God, You are faithful </a:t>
+              <a:t>Repeat Pre-Chorus</a:t>
+            </a:r>
+            <a:br/>
+            <a:r>
+              <a:t>Repeat Chorus 1</a:t>
             </a:r>
             <a:br/>
           </a:p>
@@ -4781,7 +4537,7 @@
               <a:defRPr sz="1200"/>
             </a:pPr>
             <a:r>
-              <a:t>Chorus 1</a:t>
+              <a:t>Repeat Verse 2</a:t>
             </a:r>
             <a:br/>
             <a:r>
@@ -4839,11 +4595,27 @@
               <a:defRPr sz="2500"/>
             </a:pPr>
             <a:r>
-              <a:t>Repeat Pre-Chorus</a:t>
-            </a:r>
-            <a:br/>
-            <a:r>
-              <a:t>Repeat Chorus 1</a:t>
+              <a:t>Scars and struggles on the way</a:t>
+            </a:r>
+            <a:br/>
+            <a:r>
+              <a:t>But with joy our hearts can say</a:t>
+            </a:r>
+            <a:br/>
+            <a:r>
+              <a:t>Never once did we ever walk alone</a:t>
+            </a:r>
+            <a:br/>
+            <a:r>
+              <a:t>Carried by Your constant grace</a:t>
+            </a:r>
+            <a:br/>
+            <a:r>
+              <a:t>Held within Your perfect peace</a:t>
+            </a:r>
+            <a:br/>
+            <a:r>
+              <a:t>Never once, no, we never walk alone</a:t>
             </a:r>
             <a:br/>
           </a:p>
@@ -4876,7 +4648,7 @@
               <a:defRPr sz="1200"/>
             </a:pPr>
             <a:r>
-              <a:t>Repeat Verse 2</a:t>
+              <a:t>Bridge</a:t>
             </a:r>
             <a:br/>
             <a:r>
@@ -4934,27 +4706,11 @@
               <a:defRPr sz="2500"/>
             </a:pPr>
             <a:r>
-              <a:t>Scars and struggles on the way </a:t>
-            </a:r>
-            <a:br/>
-            <a:r>
-              <a:t>But with joy our hearts can say </a:t>
-            </a:r>
-            <a:br/>
-            <a:r>
-              <a:t>Never once did we ever walk alone </a:t>
-            </a:r>
-            <a:br/>
-            <a:r>
-              <a:t>Carried by Your constant grace </a:t>
-            </a:r>
-            <a:br/>
-            <a:r>
-              <a:t>Held within Your perfect peace </a:t>
-            </a:r>
-            <a:br/>
-            <a:r>
-              <a:t>Never once, no, we never walk alone </a:t>
+              <a:t>Never once did You leave us on our own</a:t>
+            </a:r>
+            <a:br/>
+            <a:r>
+              <a:t>You are faithful, God, You are faithful</a:t>
             </a:r>
             <a:br/>
           </a:p>
@@ -4987,7 +4743,7 @@
               <a:defRPr sz="1200"/>
             </a:pPr>
             <a:r>
-              <a:t>Bridge</a:t>
+              <a:t>Never once did we ever walk alone</a:t>
             </a:r>
             <a:br/>
             <a:r>
@@ -5045,7 +4801,15 @@
               <a:defRPr sz="2500"/>
             </a:pPr>
             <a:r>
-              <a:t>Ending Chorus</a:t>
+              <a:t>Evermore we'll be breathing out Your praise</a:t>
+            </a:r>
+            <a:br/>
+            <a:r>
+              <a:t>You are faithful, God, You are faithful</a:t>
+            </a:r>
+            <a:br/>
+            <a:r>
+              <a:t>You are faithful, God, You are faithful</a:t>
             </a:r>
             <a:br/>
           </a:p>
@@ -5074,103 +4838,11 @@
           <a:lstStyle/>
           <a:p/>
           <a:p>
-            <a:br/>
             <a:pPr>
               <a:defRPr sz="1200"/>
             </a:pPr>
             <a:r>
-              <a:t>Writers:  Jason Ingram, Matt Redman, Tim Wanstall</a:t>
-            </a:r>
-            <a:br/>
-            <a:r>
-              <a:t>CCLI: </a:t>
-            </a:r>
-          </a:p>
-        </p:txBody>
-      </p:sp>
-    </p:spTree>
-  </p:cSld>
-  <p:clrMapOvr>
-    <a:masterClrMapping/>
-  </p:clrMapOvr>
-</p:sld>
-</file>
-
-<file path=ppt/slides/slide9.xml><?xml version="1.0" encoding="utf-8"?>
-<p:sld xmlns:a="http://schemas.openxmlformats.org/drawingml/2006/main" xmlns:p="http://schemas.openxmlformats.org/presentationml/2006/main" xmlns:r="http://schemas.openxmlformats.org/officeDocument/2006/relationships">
-  <p:cSld>
-    <p:spTree>
-      <p:nvGrpSpPr>
-        <p:cNvPr id="1" name=""/>
-        <p:cNvGrpSpPr/>
-        <p:nvPr/>
-      </p:nvGrpSpPr>
-      <p:grpSpPr/>
-      <p:sp>
-        <p:nvSpPr>
-          <p:cNvPr id="2" name="TextBox 1"/>
-          <p:cNvSpPr txBox="1"/>
-          <p:nvPr/>
-        </p:nvSpPr>
-        <p:spPr>
-          <a:xfrm>
-            <a:off x="914400" y="914400"/>
-            <a:ext cx="7315200" cy="914400"/>
-          </a:xfrm>
-          <a:prstGeom prst="rect">
-            <a:avLst/>
-          </a:prstGeom>
-          <a:noFill/>
-        </p:spPr>
-        <p:txBody>
-          <a:bodyPr wrap="none">
-            <a:spAutoFit/>
-          </a:bodyPr>
-          <a:lstStyle/>
-          <a:p/>
-          <a:p>
-            <a:pPr>
-              <a:defRPr sz="2500"/>
-            </a:pPr>
-            <a:r>
-              <a:t>Never once did You leave us on our own </a:t>
-            </a:r>
-            <a:br/>
-            <a:r>
-              <a:t>You are faithful, God, You are faithful </a:t>
-            </a:r>
-            <a:br/>
-          </a:p>
-        </p:txBody>
-      </p:sp>
-      <p:sp>
-        <p:nvSpPr>
-          <p:cNvPr id="3" name="TextBox 2"/>
-          <p:cNvSpPr txBox="1"/>
-          <p:nvPr/>
-        </p:nvSpPr>
-        <p:spPr>
-          <a:xfrm>
-            <a:off x="4572000" y="5943600"/>
-            <a:ext cx="914400" cy="914400"/>
-          </a:xfrm>
-          <a:prstGeom prst="rect">
-            <a:avLst/>
-          </a:prstGeom>
-          <a:noFill/>
-        </p:spPr>
-        <p:txBody>
-          <a:bodyPr wrap="none">
-            <a:spAutoFit/>
-          </a:bodyPr>
-          <a:lstStyle/>
-          <a:p/>
-          <a:p>
-            <a:pPr>
-              <a:defRPr sz="1200"/>
-            </a:pPr>
-            <a:r>
-              <a:t>Never once did we ever walk alone </a:t>
+              <a:t>Every step we are breathing in Your grace</a:t>
             </a:r>
             <a:br/>
             <a:r>
